--- a/research/idea/theme-presentation_kataoka-nagi_20210531.pptx
+++ b/research/idea/theme-presentation_kataoka-nagi_20210531.pptx
@@ -7322,6 +7322,11 @@
           <a:prstGeom prst="rect">
             <a:avLst/>
           </a:prstGeom>
+          <a:ln>
+            <a:solidFill>
+              <a:schemeClr val="bg2"/>
+            </a:solidFill>
+          </a:ln>
         </p:spPr>
       </p:pic>
       <p:sp>
@@ -7555,7 +7560,7 @@
           <a:p>
             <a:r>
               <a:rPr lang="ja-JP" altLang="en-US" dirty="0"/>
-              <a:t>読者間の関心の類似性から表示する情報を最適化</a:t>
+              <a:t>読者間の関心の類似性から表示する情報を最適化し</a:t>
             </a:r>
             <a:endParaRPr lang="en-US" altLang="ja-JP" dirty="0"/>
           </a:p>
@@ -7607,7 +7612,7 @@
               <a:rPr kumimoji="1" lang="ja-JP" altLang="en-US" smtClean="0"/>
               <a:t>3</a:t>
             </a:fld>
-            <a:endParaRPr kumimoji="1" lang="ja-JP" altLang="en-US"/>
+            <a:endParaRPr kumimoji="1" lang="ja-JP" altLang="en-US" dirty="0"/>
           </a:p>
         </p:txBody>
       </p:sp>
@@ -8030,6 +8035,13 @@
           <a:p>
             <a:r>
               <a:rPr lang="ja-JP" altLang="en-US" sz="2000" dirty="0"/>
+              <a:t>フィルターバブル：最適化によって情報が偏ってしまう問題</a:t>
+            </a:r>
+            <a:endParaRPr lang="en-US" altLang="ja-JP" sz="2000" dirty="0"/>
+          </a:p>
+          <a:p>
+            <a:r>
+              <a:rPr lang="ja-JP" altLang="en-US" sz="2000" dirty="0"/>
               <a:t>グループ化の指標としてコメント間の意味関係を用いる</a:t>
             </a:r>
             <a:endParaRPr lang="en-US" altLang="ja-JP" sz="2000" dirty="0"/>
@@ -8054,7 +8066,7 @@
             <a:pPr lvl="1"/>
             <a:r>
               <a:rPr lang="ja-JP" altLang="en-US" sz="1600" dirty="0"/>
-              <a:t>（会議のコメントの賛否レベルを測定する研究があ）</a:t>
+              <a:t>（会議のコメントの賛否レベルを測定する研究などを探していました）</a:t>
             </a:r>
             <a:endParaRPr lang="en-US" altLang="ja-JP" sz="1600" dirty="0"/>
           </a:p>
